--- a/3_CI_and_Sphinx/sphinx.pptx
+++ b/3_CI_and_Sphinx/sphinx.pptx
@@ -14,8 +14,9 @@
     <p:sldId id="263" r:id="rId8"/>
     <p:sldId id="262" r:id="rId9"/>
     <p:sldId id="268" r:id="rId10"/>
-    <p:sldId id="264" r:id="rId11"/>
-    <p:sldId id="265" r:id="rId12"/>
+    <p:sldId id="269" r:id="rId11"/>
+    <p:sldId id="264" r:id="rId12"/>
+    <p:sldId id="265" r:id="rId13"/>
   </p:sldIdLst>
   <p:sldSz cx="12192000" cy="6858000"/>
   <p:notesSz cx="6858000" cy="9144000"/>
@@ -271,7 +272,7 @@
           <a:p>
             <a:fld id="{25FB4291-CA8D-E34F-8AA1-9FD8B6BB12CB}" type="datetimeFigureOut">
               <a:rPr lang="en-DE" smtClean="0"/>
-              <a:t>13.03.24</a:t>
+              <a:t>15.03.24</a:t>
             </a:fld>
             <a:endParaRPr lang="en-DE"/>
           </a:p>
@@ -471,7 +472,7 @@
           <a:p>
             <a:fld id="{25FB4291-CA8D-E34F-8AA1-9FD8B6BB12CB}" type="datetimeFigureOut">
               <a:rPr lang="en-DE" smtClean="0"/>
-              <a:t>13.03.24</a:t>
+              <a:t>15.03.24</a:t>
             </a:fld>
             <a:endParaRPr lang="en-DE"/>
           </a:p>
@@ -681,7 +682,7 @@
           <a:p>
             <a:fld id="{25FB4291-CA8D-E34F-8AA1-9FD8B6BB12CB}" type="datetimeFigureOut">
               <a:rPr lang="en-DE" smtClean="0"/>
-              <a:t>13.03.24</a:t>
+              <a:t>15.03.24</a:t>
             </a:fld>
             <a:endParaRPr lang="en-DE"/>
           </a:p>
@@ -881,7 +882,7 @@
           <a:p>
             <a:fld id="{25FB4291-CA8D-E34F-8AA1-9FD8B6BB12CB}" type="datetimeFigureOut">
               <a:rPr lang="en-DE" smtClean="0"/>
-              <a:t>13.03.24</a:t>
+              <a:t>15.03.24</a:t>
             </a:fld>
             <a:endParaRPr lang="en-DE"/>
           </a:p>
@@ -1157,7 +1158,7 @@
           <a:p>
             <a:fld id="{25FB4291-CA8D-E34F-8AA1-9FD8B6BB12CB}" type="datetimeFigureOut">
               <a:rPr lang="en-DE" smtClean="0"/>
-              <a:t>13.03.24</a:t>
+              <a:t>15.03.24</a:t>
             </a:fld>
             <a:endParaRPr lang="en-DE"/>
           </a:p>
@@ -1425,7 +1426,7 @@
           <a:p>
             <a:fld id="{25FB4291-CA8D-E34F-8AA1-9FD8B6BB12CB}" type="datetimeFigureOut">
               <a:rPr lang="en-DE" smtClean="0"/>
-              <a:t>13.03.24</a:t>
+              <a:t>15.03.24</a:t>
             </a:fld>
             <a:endParaRPr lang="en-DE"/>
           </a:p>
@@ -1840,7 +1841,7 @@
           <a:p>
             <a:fld id="{25FB4291-CA8D-E34F-8AA1-9FD8B6BB12CB}" type="datetimeFigureOut">
               <a:rPr lang="en-DE" smtClean="0"/>
-              <a:t>13.03.24</a:t>
+              <a:t>15.03.24</a:t>
             </a:fld>
             <a:endParaRPr lang="en-DE"/>
           </a:p>
@@ -1982,7 +1983,7 @@
           <a:p>
             <a:fld id="{25FB4291-CA8D-E34F-8AA1-9FD8B6BB12CB}" type="datetimeFigureOut">
               <a:rPr lang="en-DE" smtClean="0"/>
-              <a:t>13.03.24</a:t>
+              <a:t>15.03.24</a:t>
             </a:fld>
             <a:endParaRPr lang="en-DE"/>
           </a:p>
@@ -2095,7 +2096,7 @@
           <a:p>
             <a:fld id="{25FB4291-CA8D-E34F-8AA1-9FD8B6BB12CB}" type="datetimeFigureOut">
               <a:rPr lang="en-DE" smtClean="0"/>
-              <a:t>13.03.24</a:t>
+              <a:t>15.03.24</a:t>
             </a:fld>
             <a:endParaRPr lang="en-DE"/>
           </a:p>
@@ -2408,7 +2409,7 @@
           <a:p>
             <a:fld id="{25FB4291-CA8D-E34F-8AA1-9FD8B6BB12CB}" type="datetimeFigureOut">
               <a:rPr lang="en-DE" smtClean="0"/>
-              <a:t>13.03.24</a:t>
+              <a:t>15.03.24</a:t>
             </a:fld>
             <a:endParaRPr lang="en-DE"/>
           </a:p>
@@ -2697,7 +2698,7 @@
           <a:p>
             <a:fld id="{25FB4291-CA8D-E34F-8AA1-9FD8B6BB12CB}" type="datetimeFigureOut">
               <a:rPr lang="en-DE" smtClean="0"/>
-              <a:t>13.03.24</a:t>
+              <a:t>15.03.24</a:t>
             </a:fld>
             <a:endParaRPr lang="en-DE"/>
           </a:p>
@@ -2940,7 +2941,7 @@
           <a:p>
             <a:fld id="{25FB4291-CA8D-E34F-8AA1-9FD8B6BB12CB}" type="datetimeFigureOut">
               <a:rPr lang="en-DE" smtClean="0"/>
-              <a:t>13.03.24</a:t>
+              <a:t>15.03.24</a:t>
             </a:fld>
             <a:endParaRPr lang="en-DE"/>
           </a:p>
@@ -3499,6 +3500,387 @@
           <p:cNvPr id="2" name="Title 1">
             <a:extLst>
               <a:ext uri="{FF2B5EF4-FFF2-40B4-BE49-F238E27FC236}">
+                <a16:creationId xmlns:a16="http://schemas.microsoft.com/office/drawing/2014/main" id="{97FE28F5-75A5-CCA1-58D8-0A4392ECCA07}"/>
+              </a:ext>
+            </a:extLst>
+          </p:cNvPr>
+          <p:cNvSpPr>
+            <a:spLocks noGrp="1"/>
+          </p:cNvSpPr>
+          <p:nvPr>
+            <p:ph type="title"/>
+          </p:nvPr>
+        </p:nvSpPr>
+        <p:spPr/>
+        <p:txBody>
+          <a:bodyPr/>
+          <a:lstStyle/>
+          <a:p>
+            <a:r>
+              <a:rPr lang="en-DE" dirty="0"/>
+              <a:t>Exercise</a:t>
+            </a:r>
+          </a:p>
+        </p:txBody>
+      </p:sp>
+      <p:sp>
+        <p:nvSpPr>
+          <p:cNvPr id="3" name="Content Placeholder 2">
+            <a:extLst>
+              <a:ext uri="{FF2B5EF4-FFF2-40B4-BE49-F238E27FC236}">
+                <a16:creationId xmlns:a16="http://schemas.microsoft.com/office/drawing/2014/main" id="{D96F03EB-C299-92DC-5FD8-5A46568C7FE6}"/>
+              </a:ext>
+            </a:extLst>
+          </p:cNvPr>
+          <p:cNvSpPr>
+            <a:spLocks noGrp="1"/>
+          </p:cNvSpPr>
+          <p:nvPr>
+            <p:ph idx="1"/>
+          </p:nvPr>
+        </p:nvSpPr>
+        <p:spPr/>
+        <p:txBody>
+          <a:bodyPr/>
+          <a:lstStyle/>
+          <a:p>
+            <a:r>
+              <a:rPr lang="de-DE" dirty="0"/>
+              <a:t>Take </a:t>
+            </a:r>
+            <a:r>
+              <a:rPr lang="de-DE" dirty="0" err="1"/>
+              <a:t>the</a:t>
+            </a:r>
+            <a:r>
+              <a:rPr lang="de-DE" dirty="0"/>
+              <a:t> </a:t>
+            </a:r>
+            <a:r>
+              <a:rPr lang="de-DE" dirty="0" err="1"/>
+              <a:t>files</a:t>
+            </a:r>
+            <a:r>
+              <a:rPr lang="de-DE" dirty="0"/>
+              <a:t> </a:t>
+            </a:r>
+            <a:r>
+              <a:rPr lang="de-DE" dirty="0" err="1"/>
+              <a:t>from</a:t>
+            </a:r>
+            <a:r>
+              <a:rPr lang="de-DE" dirty="0"/>
+              <a:t> </a:t>
+            </a:r>
+            <a:r>
+              <a:rPr lang="de-DE" dirty="0" err="1"/>
+              <a:t>the</a:t>
+            </a:r>
+            <a:r>
+              <a:rPr lang="de-DE" dirty="0"/>
+              <a:t> </a:t>
+            </a:r>
+            <a:r>
+              <a:rPr lang="de-DE" dirty="0" err="1"/>
+              <a:t>templates</a:t>
+            </a:r>
+            <a:r>
+              <a:rPr lang="de-DE" dirty="0"/>
+              <a:t>/</a:t>
+            </a:r>
+            <a:r>
+              <a:rPr lang="de-DE" dirty="0" err="1"/>
+              <a:t>example_docs_files</a:t>
+            </a:r>
+            <a:r>
+              <a:rPr lang="de-DE" dirty="0"/>
+              <a:t> </a:t>
+            </a:r>
+            <a:r>
+              <a:rPr lang="de-DE" dirty="0" err="1"/>
+              <a:t>folder</a:t>
+            </a:r>
+            <a:endParaRPr lang="de-DE" dirty="0"/>
+          </a:p>
+          <a:p>
+            <a:r>
+              <a:rPr lang="de-DE" dirty="0"/>
+              <a:t>Copy </a:t>
+            </a:r>
+            <a:r>
+              <a:rPr lang="de-DE" dirty="0" err="1"/>
+              <a:t>them</a:t>
+            </a:r>
+            <a:r>
+              <a:rPr lang="de-DE" dirty="0"/>
+              <a:t> </a:t>
+            </a:r>
+            <a:r>
+              <a:rPr lang="de-DE" dirty="0" err="1"/>
+              <a:t>to</a:t>
+            </a:r>
+            <a:r>
+              <a:rPr lang="de-DE" dirty="0"/>
+              <a:t> </a:t>
+            </a:r>
+            <a:r>
+              <a:rPr lang="de-DE" dirty="0" err="1"/>
+              <a:t>docs</a:t>
+            </a:r>
+            <a:r>
+              <a:rPr lang="de-DE" dirty="0"/>
+              <a:t>/source</a:t>
+            </a:r>
+          </a:p>
+          <a:p>
+            <a:r>
+              <a:rPr lang="de-DE" dirty="0"/>
+              <a:t>Look at </a:t>
+            </a:r>
+            <a:r>
+              <a:rPr lang="de-DE" dirty="0" err="1"/>
+              <a:t>the</a:t>
+            </a:r>
+            <a:r>
+              <a:rPr lang="de-DE" dirty="0"/>
+              <a:t> </a:t>
+            </a:r>
+            <a:r>
+              <a:rPr lang="de-DE" dirty="0" err="1"/>
+              <a:t>index.rst</a:t>
+            </a:r>
+            <a:r>
+              <a:rPr lang="de-DE" dirty="0"/>
+              <a:t> </a:t>
+            </a:r>
+            <a:r>
+              <a:rPr lang="de-DE" dirty="0" err="1"/>
+              <a:t>file</a:t>
+            </a:r>
+            <a:r>
+              <a:rPr lang="de-DE" dirty="0"/>
+              <a:t> </a:t>
+            </a:r>
+            <a:r>
+              <a:rPr lang="de-DE" dirty="0" err="1"/>
+              <a:t>to</a:t>
+            </a:r>
+            <a:r>
+              <a:rPr lang="de-DE" dirty="0"/>
+              <a:t> </a:t>
+            </a:r>
+            <a:r>
+              <a:rPr lang="de-DE" dirty="0" err="1"/>
+              <a:t>understand</a:t>
+            </a:r>
+            <a:r>
+              <a:rPr lang="de-DE" dirty="0"/>
+              <a:t> </a:t>
+            </a:r>
+            <a:r>
+              <a:rPr lang="de-DE" dirty="0" err="1"/>
+              <a:t>the</a:t>
+            </a:r>
+            <a:r>
+              <a:rPr lang="de-DE" dirty="0"/>
+              <a:t> </a:t>
+            </a:r>
+            <a:r>
+              <a:rPr lang="de-DE" dirty="0" err="1"/>
+              <a:t>structure</a:t>
+            </a:r>
+            <a:r>
+              <a:rPr lang="de-DE" dirty="0"/>
+              <a:t> </a:t>
+            </a:r>
+            <a:r>
+              <a:rPr lang="de-DE" dirty="0" err="1"/>
+              <a:t>of</a:t>
+            </a:r>
+            <a:r>
+              <a:rPr lang="de-DE" dirty="0"/>
+              <a:t> </a:t>
+            </a:r>
+            <a:r>
+              <a:rPr lang="de-DE" dirty="0" err="1"/>
+              <a:t>how</a:t>
+            </a:r>
+            <a:r>
+              <a:rPr lang="de-DE" dirty="0"/>
+              <a:t> </a:t>
+            </a:r>
+            <a:r>
+              <a:rPr lang="de-DE" dirty="0" err="1"/>
+              <a:t>the</a:t>
+            </a:r>
+            <a:r>
+              <a:rPr lang="de-DE" dirty="0"/>
+              <a:t> </a:t>
+            </a:r>
+            <a:r>
+              <a:rPr lang="de-DE" dirty="0" err="1"/>
+              <a:t>pages</a:t>
+            </a:r>
+            <a:r>
+              <a:rPr lang="de-DE" dirty="0"/>
+              <a:t> </a:t>
+            </a:r>
+            <a:r>
+              <a:rPr lang="de-DE" dirty="0" err="1"/>
+              <a:t>are</a:t>
+            </a:r>
+            <a:r>
+              <a:rPr lang="de-DE" dirty="0"/>
+              <a:t> </a:t>
+            </a:r>
+            <a:r>
+              <a:rPr lang="de-DE" dirty="0" err="1"/>
+              <a:t>built</a:t>
+            </a:r>
+            <a:endParaRPr lang="de-DE" dirty="0"/>
+          </a:p>
+          <a:p>
+            <a:r>
+              <a:rPr lang="de-DE" dirty="0" err="1"/>
+              <a:t>Make</a:t>
+            </a:r>
+            <a:r>
+              <a:rPr lang="de-DE" dirty="0"/>
+              <a:t> </a:t>
+            </a:r>
+            <a:r>
+              <a:rPr lang="de-DE" dirty="0" err="1"/>
+              <a:t>html</a:t>
+            </a:r>
+            <a:endParaRPr lang="de-DE" dirty="0"/>
+          </a:p>
+          <a:p>
+            <a:r>
+              <a:rPr lang="de-DE" dirty="0"/>
+              <a:t>Open </a:t>
+            </a:r>
+            <a:r>
+              <a:rPr lang="de-DE" dirty="0" err="1"/>
+              <a:t>index.html</a:t>
+            </a:r>
+            <a:r>
+              <a:rPr lang="de-DE" dirty="0"/>
+              <a:t> -&gt; </a:t>
+            </a:r>
+            <a:r>
+              <a:rPr lang="de-DE" dirty="0" err="1"/>
+              <a:t>navigate</a:t>
+            </a:r>
+            <a:r>
+              <a:rPr lang="de-DE" dirty="0"/>
+              <a:t> </a:t>
+            </a:r>
+            <a:r>
+              <a:rPr lang="de-DE" dirty="0" err="1"/>
+              <a:t>to</a:t>
+            </a:r>
+            <a:r>
+              <a:rPr lang="de-DE" dirty="0"/>
+              <a:t> </a:t>
+            </a:r>
+            <a:r>
+              <a:rPr lang="de-DE" dirty="0" err="1"/>
+              <a:t>the</a:t>
+            </a:r>
+            <a:r>
+              <a:rPr lang="de-DE" dirty="0"/>
+              <a:t> </a:t>
+            </a:r>
+            <a:r>
+              <a:rPr lang="de-DE" dirty="0" err="1"/>
+              <a:t>contributing</a:t>
+            </a:r>
+            <a:r>
+              <a:rPr lang="de-DE" dirty="0"/>
+              <a:t> </a:t>
+            </a:r>
+            <a:r>
+              <a:rPr lang="de-DE" dirty="0" err="1"/>
+              <a:t>page</a:t>
+            </a:r>
+            <a:endParaRPr lang="de-DE" dirty="0"/>
+          </a:p>
+          <a:p>
+            <a:r>
+              <a:rPr lang="de-DE" dirty="0"/>
+              <a:t>Follow </a:t>
+            </a:r>
+            <a:r>
+              <a:rPr lang="de-DE" dirty="0" err="1"/>
+              <a:t>the</a:t>
+            </a:r>
+            <a:r>
+              <a:rPr lang="de-DE" dirty="0"/>
+              <a:t> </a:t>
+            </a:r>
+            <a:r>
+              <a:rPr lang="de-DE" dirty="0" err="1"/>
+              <a:t>intructions</a:t>
+            </a:r>
+            <a:r>
+              <a:rPr lang="de-DE" dirty="0"/>
+              <a:t> </a:t>
+            </a:r>
+            <a:r>
+              <a:rPr lang="de-DE" dirty="0" err="1"/>
+              <a:t>there</a:t>
+            </a:r>
+            <a:r>
+              <a:rPr lang="de-DE" dirty="0"/>
+              <a:t>!</a:t>
+            </a:r>
+          </a:p>
+          <a:p>
+            <a:r>
+              <a:rPr lang="de-DE" dirty="0"/>
+              <a:t>PR?</a:t>
+            </a:r>
+          </a:p>
+          <a:p>
+            <a:endParaRPr lang="de-DE" dirty="0"/>
+          </a:p>
+        </p:txBody>
+      </p:sp>
+    </p:spTree>
+    <p:extLst>
+      <p:ext uri="{BB962C8B-B14F-4D97-AF65-F5344CB8AC3E}">
+        <p14:creationId xmlns:p14="http://schemas.microsoft.com/office/powerpoint/2010/main" val="3461367854"/>
+      </p:ext>
+    </p:extLst>
+  </p:cSld>
+  <p:clrMapOvr>
+    <a:masterClrMapping/>
+  </p:clrMapOvr>
+</p:sld>
+</file>
+
+<file path=ppt/slides/slide11.xml><?xml version="1.0" encoding="utf-8"?>
+<p:sld xmlns:a="http://schemas.openxmlformats.org/drawingml/2006/main" xmlns:r="http://schemas.openxmlformats.org/officeDocument/2006/relationships" xmlns:p="http://schemas.openxmlformats.org/presentationml/2006/main">
+  <p:cSld>
+    <p:spTree>
+      <p:nvGrpSpPr>
+        <p:cNvPr id="1" name=""/>
+        <p:cNvGrpSpPr/>
+        <p:nvPr/>
+      </p:nvGrpSpPr>
+      <p:grpSpPr>
+        <a:xfrm>
+          <a:off x="0" y="0"/>
+          <a:ext cx="0" cy="0"/>
+          <a:chOff x="0" y="0"/>
+          <a:chExt cx="0" cy="0"/>
+        </a:xfrm>
+      </p:grpSpPr>
+      <p:sp>
+        <p:nvSpPr>
+          <p:cNvPr id="2" name="Title 1">
+            <a:extLst>
+              <a:ext uri="{FF2B5EF4-FFF2-40B4-BE49-F238E27FC236}">
                 <a16:creationId xmlns:a16="http://schemas.microsoft.com/office/drawing/2014/main" id="{99B5E11C-3D15-8C82-04D6-C212591DA758}"/>
               </a:ext>
             </a:extLst>
@@ -3752,7 +4134,7 @@
 </p:sld>
 </file>
 
-<file path=ppt/slides/slide11.xml><?xml version="1.0" encoding="utf-8"?>
+<file path=ppt/slides/slide12.xml><?xml version="1.0" encoding="utf-8"?>
 <p:sld xmlns:a="http://schemas.openxmlformats.org/drawingml/2006/main" xmlns:r="http://schemas.openxmlformats.org/officeDocument/2006/relationships" xmlns:p="http://schemas.openxmlformats.org/presentationml/2006/main">
   <p:cSld>
     <p:bg>
@@ -6205,7 +6587,7 @@
         <p:spPr>
           <a:xfrm>
             <a:off x="239111" y="2696533"/>
-            <a:ext cx="4900447" cy="3553581"/>
+            <a:ext cx="5110655" cy="3553581"/>
           </a:xfrm>
           <a:prstGeom prst="rect">
             <a:avLst/>
@@ -10112,12 +10494,8 @@
           <a:lstStyle/>
           <a:p>
             <a:r>
-              <a:rPr lang="de-DE" dirty="0"/>
-              <a:t>Go </a:t>
-            </a:r>
-            <a:r>
               <a:rPr lang="de-DE" dirty="0" err="1"/>
-              <a:t>through</a:t>
+              <a:t>Install</a:t>
             </a:r>
             <a:r>
               <a:rPr lang="de-DE" dirty="0"/>
@@ -10125,15 +10503,14 @@
             </a:r>
             <a:r>
               <a:rPr lang="de-DE" dirty="0" err="1"/>
-              <a:t>the</a:t>
-            </a:r>
-            <a:r>
-              <a:rPr lang="de-DE" dirty="0"/>
-              <a:t> same </a:t>
-            </a:r>
+              <a:t>sphinx</a:t>
+            </a:r>
+            <a:endParaRPr lang="de-DE" dirty="0"/>
+          </a:p>
+          <a:p>
             <a:r>
               <a:rPr lang="de-DE" dirty="0" err="1"/>
-              <a:t>steps</a:t>
+              <a:t>set</a:t>
             </a:r>
             <a:r>
               <a:rPr lang="de-DE" dirty="0"/>
@@ -10141,20 +10518,56 @@
             </a:r>
             <a:r>
               <a:rPr lang="de-DE" dirty="0" err="1"/>
-              <a:t>as</a:t>
+              <a:t>up</a:t>
             </a:r>
             <a:r>
               <a:rPr lang="de-DE" dirty="0"/>
-              <a:t> in </a:t>
+              <a:t> </a:t>
             </a:r>
             <a:r>
               <a:rPr lang="de-DE" dirty="0" err="1"/>
-              <a:t>slide</a:t>
+              <a:t>the</a:t>
             </a:r>
             <a:r>
               <a:rPr lang="de-DE" dirty="0"/>
-              <a:t> 4</a:t>
-            </a:r>
+              <a:t> </a:t>
+            </a:r>
+            <a:r>
+              <a:rPr lang="de-DE" dirty="0" err="1"/>
+              <a:t>repo</a:t>
+            </a:r>
+            <a:r>
+              <a:rPr lang="de-DE" dirty="0"/>
+              <a:t> </a:t>
+            </a:r>
+            <a:r>
+              <a:rPr lang="de-DE" dirty="0" err="1"/>
+              <a:t>for</a:t>
+            </a:r>
+            <a:r>
+              <a:rPr lang="de-DE" dirty="0"/>
+              <a:t> </a:t>
+            </a:r>
+            <a:r>
+              <a:rPr lang="de-DE" dirty="0" err="1"/>
+              <a:t>it</a:t>
+            </a:r>
+            <a:endParaRPr lang="de-DE" dirty="0"/>
+          </a:p>
+          <a:p>
+            <a:r>
+              <a:rPr lang="de-DE" dirty="0" err="1"/>
+              <a:t>Make</a:t>
+            </a:r>
+            <a:r>
+              <a:rPr lang="de-DE" dirty="0"/>
+              <a:t> </a:t>
+            </a:r>
+            <a:r>
+              <a:rPr lang="de-DE" dirty="0" err="1"/>
+              <a:t>html</a:t>
+            </a:r>
+            <a:endParaRPr lang="de-DE" dirty="0"/>
           </a:p>
           <a:p>
             <a:r>
